--- a/Presentation/presentation1-11-brennan.pptx
+++ b/Presentation/presentation1-11-brennan.pptx
@@ -270,7 +270,7 @@
           <a:bodyPr lIns="0" rIns="0" tIns="0" bIns="0" anchor="b"/>
           <a:p>
             <a:pPr algn="r"/>
-            <a:fld id="{C94EEC9E-5BBC-4729-9756-CA1976F5B503}" type="slidenum">
+            <a:fld id="{89399110-1BD0-41CB-A37E-A76B48741229}" type="slidenum">
               <a:rPr b="0" lang="en-US" sz="1400" spc="-1" strike="noStrike">
                 <a:solidFill>
                   <a:srgbClr val="000000"/>
@@ -390,7 +390,7 @@
                 <a:spcPct val="100000"/>
               </a:lnSpc>
             </a:pPr>
-            <a:fld id="{FCAFBBC7-81D2-47D9-BAE2-9CA757EAC85E}" type="slidenum">
+            <a:fld id="{E966018D-02E6-4290-A6B4-35652C09780E}" type="slidenum">
               <a:rPr b="0" lang="en-US" sz="1200" spc="-1" strike="noStrike">
                 <a:solidFill>
                   <a:srgbClr val="000000"/>
@@ -403,7 +403,7 @@
                 <a:latin typeface="Calibri"/>
                 <a:ea typeface="Calibri"/>
               </a:rPr>
-              <a:t>1</a:t>
+              <a:t>&lt;number&gt;</a:t>
             </a:fld>
             <a:endParaRPr b="0" lang="en-US" sz="1800" spc="-1" strike="noStrike">
               <a:solidFill>
@@ -510,7 +510,7 @@
                 <a:spcPct val="100000"/>
               </a:lnSpc>
             </a:pPr>
-            <a:fld id="{03A39F96-A5A9-4385-9417-924801F56A12}" type="slidenum">
+            <a:fld id="{C3E440A9-3955-4499-B45F-8284C8A67A21}" type="slidenum">
               <a:rPr b="0" lang="en-US" sz="1200" spc="-1" strike="noStrike">
                 <a:solidFill>
                   <a:srgbClr val="000000"/>
@@ -523,7 +523,7 @@
                 <a:latin typeface="Calibri"/>
                 <a:ea typeface="Calibri"/>
               </a:rPr>
-              <a:t>1</a:t>
+              <a:t>&lt;number&gt;</a:t>
             </a:fld>
             <a:endParaRPr b="0" lang="en-US" sz="1800" spc="-1" strike="noStrike">
               <a:solidFill>
@@ -630,7 +630,7 @@
                 <a:spcPct val="100000"/>
               </a:lnSpc>
             </a:pPr>
-            <a:fld id="{106A91F5-3611-4BB4-9EC1-1291C3F2957E}" type="slidenum">
+            <a:fld id="{2D6073EE-865B-442E-AC15-E035DA0C707F}" type="slidenum">
               <a:rPr b="0" lang="en-US" sz="1200" spc="-1" strike="noStrike">
                 <a:solidFill>
                   <a:srgbClr val="000000"/>
@@ -750,7 +750,7 @@
                 <a:spcPct val="100000"/>
               </a:lnSpc>
             </a:pPr>
-            <a:fld id="{B82A3A48-397A-418E-9D81-99D23339E79F}" type="slidenum">
+            <a:fld id="{FF364272-8DB7-4146-9B68-DBE26DE07880}" type="slidenum">
               <a:rPr b="0" lang="en-US" sz="1200" spc="-1" strike="noStrike">
                 <a:solidFill>
                   <a:srgbClr val="000000"/>
@@ -763,7 +763,7 @@
                 <a:latin typeface="Calibri"/>
                 <a:ea typeface="Calibri"/>
               </a:rPr>
-              <a:t>1</a:t>
+              <a:t>&lt;number&gt;</a:t>
             </a:fld>
             <a:endParaRPr b="0" lang="en-US" sz="1800" spc="-1" strike="noStrike">
               <a:solidFill>
@@ -870,7 +870,7 @@
                 <a:spcPct val="100000"/>
               </a:lnSpc>
             </a:pPr>
-            <a:fld id="{0E86A83F-9AF8-4DFD-94A2-FD59BF84EABF}" type="slidenum">
+            <a:fld id="{722C1DA2-9763-49DC-82D3-4D36EC4DAC1C}" type="slidenum">
               <a:rPr b="0" lang="en-US" sz="1200" spc="-1" strike="noStrike">
                 <a:solidFill>
                   <a:srgbClr val="000000"/>
@@ -883,7 +883,7 @@
                 <a:latin typeface="Calibri"/>
                 <a:ea typeface="Calibri"/>
               </a:rPr>
-              <a:t>1</a:t>
+              <a:t>&lt;number&gt;</a:t>
             </a:fld>
             <a:endParaRPr b="0" lang="en-US" sz="1800" spc="-1" strike="noStrike">
               <a:solidFill>
@@ -990,7 +990,7 @@
                 <a:spcPct val="100000"/>
               </a:lnSpc>
             </a:pPr>
-            <a:fld id="{DDDC4001-23F2-4CD0-A133-61C0B0CA6F30}" type="slidenum">
+            <a:fld id="{7B348621-38FC-428E-AF6A-6C05E06EA33E}" type="slidenum">
               <a:rPr b="0" lang="en-US" sz="1200" spc="-1" strike="noStrike">
                 <a:solidFill>
                   <a:srgbClr val="000000"/>
@@ -1003,7 +1003,7 @@
                 <a:latin typeface="Calibri"/>
                 <a:ea typeface="Calibri"/>
               </a:rPr>
-              <a:t>1</a:t>
+              <a:t>&lt;number&gt;</a:t>
             </a:fld>
             <a:endParaRPr b="0" lang="en-US" sz="1800" spc="-1" strike="noStrike">
               <a:solidFill>
@@ -1110,7 +1110,7 @@
                 <a:spcPct val="100000"/>
               </a:lnSpc>
             </a:pPr>
-            <a:fld id="{AE63DB8A-4BB4-4291-BA9F-C2FF4C30B363}" type="slidenum">
+            <a:fld id="{BDF90D23-885B-48FA-9C97-EDC33D78C119}" type="slidenum">
               <a:rPr b="0" lang="en-US" sz="1200" spc="-1" strike="noStrike">
                 <a:solidFill>
                   <a:srgbClr val="000000"/>
@@ -1123,7 +1123,7 @@
                 <a:latin typeface="Calibri"/>
                 <a:ea typeface="Calibri"/>
               </a:rPr>
-              <a:t>1</a:t>
+              <a:t>&lt;number&gt;</a:t>
             </a:fld>
             <a:endParaRPr b="0" lang="en-US" sz="1800" spc="-1" strike="noStrike">
               <a:solidFill>
@@ -1230,7 +1230,7 @@
                 <a:spcPct val="100000"/>
               </a:lnSpc>
             </a:pPr>
-            <a:fld id="{AAA7AD60-4AAD-4576-9954-B33AC525FB15}" type="slidenum">
+            <a:fld id="{659C601C-E7BC-489B-AA7F-041D55F24F8C}" type="slidenum">
               <a:rPr b="0" lang="en-US" sz="1200" spc="-1" strike="noStrike">
                 <a:solidFill>
                   <a:srgbClr val="000000"/>
@@ -1243,7 +1243,7 @@
                 <a:latin typeface="Calibri"/>
                 <a:ea typeface="Calibri"/>
               </a:rPr>
-              <a:t>1</a:t>
+              <a:t>&lt;number&gt;</a:t>
             </a:fld>
             <a:endParaRPr b="0" lang="en-US" sz="1800" spc="-1" strike="noStrike">
               <a:solidFill>
@@ -1350,7 +1350,7 @@
                 <a:spcPct val="100000"/>
               </a:lnSpc>
             </a:pPr>
-            <a:fld id="{DDF8CDEA-07BF-4C50-A253-ECDE531E24CF}" type="slidenum">
+            <a:fld id="{D45ED902-4262-4AC3-8F30-8E6CC44CB5A3}" type="slidenum">
               <a:rPr b="0" lang="en-US" sz="1200" spc="-1" strike="noStrike">
                 <a:solidFill>
                   <a:srgbClr val="000000"/>
@@ -1363,7 +1363,7 @@
                 <a:latin typeface="Calibri"/>
                 <a:ea typeface="Calibri"/>
               </a:rPr>
-              <a:t>1</a:t>
+              <a:t>&lt;number&gt;</a:t>
             </a:fld>
             <a:endParaRPr b="0" lang="en-US" sz="1800" spc="-1" strike="noStrike">
               <a:solidFill>
@@ -1470,7 +1470,7 @@
                 <a:spcPct val="100000"/>
               </a:lnSpc>
             </a:pPr>
-            <a:fld id="{553514D1-1EA6-4B37-9B59-66B923D100AA}" type="slidenum">
+            <a:fld id="{2488BF55-7676-4951-AE85-8CC2965B4FEA}" type="slidenum">
               <a:rPr b="0" lang="en-US" sz="1200" spc="-1" strike="noStrike">
                 <a:solidFill>
                   <a:srgbClr val="000000"/>
@@ -1483,7 +1483,7 @@
                 <a:latin typeface="Calibri"/>
                 <a:ea typeface="Calibri"/>
               </a:rPr>
-              <a:t>1</a:t>
+              <a:t>&lt;number&gt;</a:t>
             </a:fld>
             <a:endParaRPr b="0" lang="en-US" sz="1800" spc="-1" strike="noStrike">
               <a:solidFill>
@@ -1590,7 +1590,7 @@
                 <a:spcPct val="100000"/>
               </a:lnSpc>
             </a:pPr>
-            <a:fld id="{54450A1C-04E4-4603-936A-B46DD95C92A0}" type="slidenum">
+            <a:fld id="{8F8D7E7B-9B3E-4944-A59F-CB52AFFCF802}" type="slidenum">
               <a:rPr b="0" lang="en-US" sz="1200" spc="-1" strike="noStrike">
                 <a:solidFill>
                   <a:srgbClr val="000000"/>
@@ -1603,7 +1603,7 @@
                 <a:latin typeface="Calibri"/>
                 <a:ea typeface="Calibri"/>
               </a:rPr>
-              <a:t>1</a:t>
+              <a:t>&lt;number&gt;</a:t>
             </a:fld>
             <a:endParaRPr b="0" lang="en-US" sz="1800" spc="-1" strike="noStrike">
               <a:solidFill>
@@ -9330,7 +9330,46 @@
                 <a:latin typeface="Arial"/>
                 <a:ea typeface="Arial"/>
               </a:rPr>
-              <a:t>Why is no NN in POS Tags? </a:t>
+              <a:t>Why is no NN in POS Tags?</a:t>
+            </a:r>
+            <a:endParaRPr b="0" lang="en-US" sz="1800" spc="-1" strike="noStrike">
+              <a:solidFill>
+                <a:srgbClr val="000000"/>
+              </a:solidFill>
+              <a:uFill>
+                <a:solidFill>
+                  <a:srgbClr val="ffffff"/>
+                </a:solidFill>
+              </a:uFill>
+              <a:latin typeface="Arial"/>
+            </a:endParaRPr>
+          </a:p>
+          <a:p>
+            <a:pPr lvl="1" marL="432000" indent="-216000">
+              <a:lnSpc>
+                <a:spcPct val="100000"/>
+              </a:lnSpc>
+              <a:buClr>
+                <a:srgbClr val="000000"/>
+              </a:buClr>
+              <a:buSzPct val="45000"/>
+              <a:buFont typeface="Wingdings" charset="2"/>
+              <a:buChar char=""/>
+            </a:pPr>
+            <a:r>
+              <a:rPr b="0" lang="en-US" sz="2000" spc="-1" strike="noStrike">
+                <a:solidFill>
+                  <a:srgbClr val="000000"/>
+                </a:solidFill>
+                <a:uFill>
+                  <a:solidFill>
+                    <a:srgbClr val="ffffff"/>
+                  </a:solidFill>
+                </a:uFill>
+                <a:latin typeface="Arial"/>
+                <a:ea typeface="Arial"/>
+              </a:rPr>
+              <a:t>eg. macroni/cheese/cheddar</a:t>
             </a:r>
             <a:endParaRPr b="0" lang="en-US" sz="1800" spc="-1" strike="noStrike">
               <a:solidFill>
